--- a/Secrecy_Jurisdiction_Poster_Group_3.pptx
+++ b/Secrecy_Jurisdiction_Poster_Group_3.pptx
@@ -107,6 +107,11 @@
       </a:defRPr>
     </a:lvl9pPr>
   </p:defaultTextStyle>
+  <p:extLst>
+    <p:ext uri="{EFAFB233-063F-42B5-8137-9DF3F51BA10A}">
+      <p15:sldGuideLst xmlns:p15="http://schemas.microsoft.com/office/powerpoint/2012/main"/>
+    </p:ext>
+  </p:extLst>
 </p:presentation>
 </file>
 
@@ -3520,7 +3525,7 @@
         </p:nvSpPr>
         <p:spPr>
           <a:xfrm>
-            <a:off x="1651697" y="545280"/>
+            <a:off x="1651697" y="501414"/>
             <a:ext cx="13407117" cy="462537"/>
           </a:xfrm>
           <a:prstGeom prst="rect">
@@ -3535,8 +3540,11 @@
           <a:p>
             <a:pPr>
               <a:lnSpc>
-                <a:spcPct val="89000"/>
+                <a:spcPct val="100000"/>
               </a:lnSpc>
+              <a:spcBef>
+                <a:spcPts val="0"/>
+              </a:spcBef>
               <a:buClr>
                 <a:schemeClr val="dk1"/>
               </a:buClr>
@@ -3577,6 +3585,32 @@
                 <a:sym typeface="Libre Franklin"/>
               </a:rPr>
               <a:t>OWNERSHIP STRUCTURES?</a:t>
+            </a:r>
+          </a:p>
+          <a:p>
+            <a:pPr>
+              <a:lnSpc>
+                <a:spcPct val="100000"/>
+              </a:lnSpc>
+              <a:spcBef>
+                <a:spcPts val="0"/>
+              </a:spcBef>
+              <a:buClr>
+                <a:schemeClr val="dk1"/>
+              </a:buClr>
+              <a:buSzPts val="3000"/>
+            </a:pPr>
+            <a:r>
+              <a:rPr lang="en-US" sz="1800" dirty="0">
+                <a:solidFill>
+                  <a:schemeClr val="accent5"/>
+                </a:solidFill>
+                <a:latin typeface="Libre Franklin"/>
+                <a:ea typeface="Libre Franklin"/>
+                <a:cs typeface="Libre Franklin"/>
+                <a:sym typeface="Libre Franklin"/>
+              </a:rPr>
+              <a:t>Group 3 – Rasim Alam, Leonie Beyrle, Taran Raghuram</a:t>
             </a:r>
             <a:endParaRPr sz="1800" dirty="0">
               <a:solidFill>
@@ -4264,7 +4298,7 @@
           <p:nvPr>
             <p:extLst>
               <p:ext uri="{D42A27DB-BD31-4B8C-83A1-F6EECF244321}">
-                <p14:modId xmlns:p14="http://schemas.microsoft.com/office/powerpoint/2010/main" val="48188927"/>
+                <p14:modId xmlns:p14="http://schemas.microsoft.com/office/powerpoint/2010/main" val="3531205494"/>
               </p:ext>
             </p:extLst>
           </p:nvPr>
@@ -4872,7 +4906,7 @@
                       </a:pPr>
                       <a:r>
                         <a:rPr lang="en" sz="1400"/>
-                        <a:t>Tender and bid prices, buyer and bidder names, tender descriptions, </a:t>
+                        <a:t>Tender and bid prices, buyer and bidder names, tender descriptions</a:t>
                       </a:r>
                       <a:endParaRPr sz="1400"/>
                     </a:p>
